--- a/docs/grafana_presentation.pptx
+++ b/docs/grafana_presentation.pptx
@@ -5,7 +5,7 @@
     <p:sldMasterId id="2147483660" r:id="rId1"/>
   </p:sldMasterIdLst>
   <p:notesMasterIdLst>
-    <p:notesMasterId r:id="rId12"/>
+    <p:notesMasterId r:id="rId13"/>
   </p:notesMasterIdLst>
   <p:sldIdLst>
     <p:sldId id="256" r:id="rId2"/>
@@ -17,7 +17,8 @@
     <p:sldId id="262" r:id="rId8"/>
     <p:sldId id="264" r:id="rId9"/>
     <p:sldId id="265" r:id="rId10"/>
-    <p:sldId id="263" r:id="rId11"/>
+    <p:sldId id="267" r:id="rId11"/>
+    <p:sldId id="263" r:id="rId12"/>
   </p:sldIdLst>
   <p:sldSz cx="9144000" cy="6858000" type="screen4x3"/>
   <p:notesSz cx="6858000" cy="9144000"/>
@@ -217,7 +218,7 @@
           <a:p>
             <a:fld id="{8CF94B62-D624-4A11-A8F7-8677B0A772DA}" type="datetimeFigureOut">
               <a:rPr lang="en-US" smtClean="0"/>
-              <a:t>10/14/2025</a:t>
+              <a:t>10/15/2025</a:t>
             </a:fld>
             <a:endParaRPr lang="en-US"/>
           </a:p>
@@ -5379,6 +5380,1366 @@
 </p:notes>
 </file>
 
+<file path=ppt/notesSlides/notesSlide5.xml><?xml version="1.0" encoding="utf-8"?>
+<p:notes xmlns:a="http://schemas.openxmlformats.org/drawingml/2006/main" xmlns:r="http://schemas.openxmlformats.org/officeDocument/2006/relationships" xmlns:p="http://schemas.openxmlformats.org/presentationml/2006/main">
+  <p:cSld>
+    <p:spTree>
+      <p:nvGrpSpPr>
+        <p:cNvPr id="1" name=""/>
+        <p:cNvGrpSpPr/>
+        <p:nvPr/>
+      </p:nvGrpSpPr>
+      <p:grpSpPr>
+        <a:xfrm>
+          <a:off x="0" y="0"/>
+          <a:ext cx="0" cy="0"/>
+          <a:chOff x="0" y="0"/>
+          <a:chExt cx="0" cy="0"/>
+        </a:xfrm>
+      </p:grpSpPr>
+      <p:sp>
+        <p:nvSpPr>
+          <p:cNvPr id="2" name="Slide Image Placeholder 1"/>
+          <p:cNvSpPr>
+            <a:spLocks noGrp="1" noRot="1" noChangeAspect="1"/>
+          </p:cNvSpPr>
+          <p:nvPr>
+            <p:ph type="sldImg"/>
+          </p:nvPr>
+        </p:nvSpPr>
+        <p:spPr/>
+      </p:sp>
+      <p:sp>
+        <p:nvSpPr>
+          <p:cNvPr id="3" name="Notes Placeholder 2"/>
+          <p:cNvSpPr>
+            <a:spLocks noGrp="1"/>
+          </p:cNvSpPr>
+          <p:nvPr>
+            <p:ph type="body" idx="1"/>
+          </p:nvPr>
+        </p:nvSpPr>
+        <p:spPr/>
+        <p:txBody>
+          <a:bodyPr/>
+          <a:lstStyle/>
+          <a:p>
+            <a:pPr algn="r" rtl="1"/>
+            <a:r>
+              <a:rPr lang="fa-IR" dirty="0"/>
+              <a:t>این لیست چطور پر میشه؟</a:t>
+            </a:r>
+          </a:p>
+          <a:p>
+            <a:pPr marL="0" marR="0" lvl="0" indent="0" algn="r" defTabSz="914400" rtl="1" eaLnBrk="1" fontAlgn="auto" latinLnBrk="0" hangingPunct="1">
+              <a:lnSpc>
+                <a:spcPct val="100000"/>
+              </a:lnSpc>
+              <a:spcBef>
+                <a:spcPts val="0"/>
+              </a:spcBef>
+              <a:spcAft>
+                <a:spcPts val="0"/>
+              </a:spcAft>
+              <a:buClrTx/>
+              <a:buSzTx/>
+              <a:buFontTx/>
+              <a:buNone/>
+              <a:tabLst/>
+              <a:defRPr/>
+            </a:pPr>
+            <a:r>
+              <a:rPr lang="fa-IR" b="1" dirty="0"/>
+              <a:t>۱. از طریق </a:t>
+            </a:r>
+            <a:r>
+              <a:rPr lang="en-US" b="1" dirty="0"/>
+              <a:t>Micrometer</a:t>
+            </a:r>
+          </a:p>
+          <a:p>
+            <a:pPr marL="0" marR="0" lvl="0" indent="0" algn="r" defTabSz="914400" rtl="1" eaLnBrk="1" fontAlgn="auto" latinLnBrk="0" hangingPunct="1">
+              <a:lnSpc>
+                <a:spcPct val="100000"/>
+              </a:lnSpc>
+              <a:spcBef>
+                <a:spcPts val="0"/>
+              </a:spcBef>
+              <a:spcAft>
+                <a:spcPts val="0"/>
+              </a:spcAft>
+              <a:buClrTx/>
+              <a:buSzTx/>
+              <a:buFontTx/>
+              <a:buNone/>
+              <a:tabLst/>
+              <a:defRPr/>
+            </a:pPr>
+            <a:r>
+              <a:rPr lang="fa-IR" dirty="0"/>
+              <a:t>وقتی </a:t>
+            </a:r>
+            <a:r>
+              <a:rPr lang="en-US" dirty="0"/>
+              <a:t>dependency </a:t>
+            </a:r>
+            <a:r>
+              <a:rPr lang="fa-IR" dirty="0"/>
+              <a:t>زیر رو اضافه کردی:</a:t>
+            </a:r>
+          </a:p>
+          <a:p>
+            <a:pPr algn="l" rtl="0"/>
+            <a:r>
+              <a:rPr lang="en-US" dirty="0"/>
+              <a:t>&lt;dependency&gt;</a:t>
+            </a:r>
+          </a:p>
+          <a:p>
+            <a:pPr algn="l" rtl="0"/>
+            <a:r>
+              <a:rPr lang="en-US" dirty="0"/>
+              <a:t>  &lt;</a:t>
+            </a:r>
+            <a:r>
+              <a:rPr lang="en-US" dirty="0" err="1"/>
+              <a:t>groupId</a:t>
+            </a:r>
+            <a:r>
+              <a:rPr lang="en-US" dirty="0"/>
+              <a:t>&gt;</a:t>
+            </a:r>
+            <a:r>
+              <a:rPr lang="en-US" dirty="0" err="1"/>
+              <a:t>io.micrometer</a:t>
+            </a:r>
+            <a:r>
+              <a:rPr lang="en-US" dirty="0"/>
+              <a:t>&lt;/</a:t>
+            </a:r>
+            <a:r>
+              <a:rPr lang="en-US" dirty="0" err="1"/>
+              <a:t>groupId</a:t>
+            </a:r>
+            <a:r>
+              <a:rPr lang="en-US" dirty="0"/>
+              <a:t>&gt;</a:t>
+            </a:r>
+          </a:p>
+          <a:p>
+            <a:pPr algn="l" rtl="0"/>
+            <a:r>
+              <a:rPr lang="en-US" dirty="0"/>
+              <a:t>  &lt;</a:t>
+            </a:r>
+            <a:r>
+              <a:rPr lang="en-US" dirty="0" err="1"/>
+              <a:t>artifactId</a:t>
+            </a:r>
+            <a:r>
+              <a:rPr lang="en-US" dirty="0"/>
+              <a:t>&gt;micrometer-registry-</a:t>
+            </a:r>
+            <a:r>
+              <a:rPr lang="en-US" dirty="0" err="1"/>
+              <a:t>prometheus</a:t>
+            </a:r>
+            <a:r>
+              <a:rPr lang="en-US" dirty="0"/>
+              <a:t>&lt;/</a:t>
+            </a:r>
+            <a:r>
+              <a:rPr lang="en-US" dirty="0" err="1"/>
+              <a:t>artifactId</a:t>
+            </a:r>
+            <a:r>
+              <a:rPr lang="en-US" dirty="0"/>
+              <a:t>&gt;</a:t>
+            </a:r>
+          </a:p>
+          <a:p>
+            <a:pPr algn="l" rtl="0"/>
+            <a:r>
+              <a:rPr lang="en-US" dirty="0"/>
+              <a:t>&lt;/dependency&gt;</a:t>
+            </a:r>
+          </a:p>
+          <a:p>
+            <a:pPr algn="r" rtl="1"/>
+            <a:endParaRPr lang="fa-IR" dirty="0"/>
+          </a:p>
+          <a:p>
+            <a:pPr algn="r" rtl="1"/>
+            <a:r>
+              <a:rPr lang="en-US" dirty="0"/>
+              <a:t>Micrometer </a:t>
+            </a:r>
+            <a:r>
+              <a:rPr lang="fa-IR" dirty="0"/>
+              <a:t>شروع </a:t>
+            </a:r>
+            <a:r>
+              <a:rPr lang="fa-IR" dirty="0" err="1"/>
+              <a:t>می‌کنه</a:t>
+            </a:r>
+            <a:r>
+              <a:rPr lang="fa-IR" dirty="0"/>
+              <a:t> به </a:t>
+            </a:r>
+            <a:r>
+              <a:rPr lang="fa-IR" dirty="0" err="1"/>
+              <a:t>جمع‌آوری</a:t>
+            </a:r>
+            <a:r>
+              <a:rPr lang="fa-IR" dirty="0"/>
+              <a:t> </a:t>
+            </a:r>
+            <a:r>
+              <a:rPr lang="fa-IR" dirty="0" err="1"/>
+              <a:t>متریک‌های</a:t>
+            </a:r>
+            <a:r>
+              <a:rPr lang="fa-IR" dirty="0"/>
+              <a:t> مختلف از:</a:t>
+            </a:r>
+          </a:p>
+          <a:p>
+            <a:pPr algn="r" rtl="1"/>
+            <a:r>
+              <a:rPr lang="en-US" dirty="0"/>
+              <a:t>Spring Boot (</a:t>
+            </a:r>
+            <a:r>
+              <a:rPr lang="fa-IR" dirty="0"/>
+              <a:t>مثل </a:t>
+            </a:r>
+            <a:r>
+              <a:rPr lang="en-US" dirty="0"/>
+              <a:t>HTTP requests, errors, latency)</a:t>
+            </a:r>
+          </a:p>
+          <a:p>
+            <a:pPr algn="r" rtl="1"/>
+            <a:r>
+              <a:rPr lang="en-US" dirty="0"/>
+              <a:t>JVM (</a:t>
+            </a:r>
+            <a:r>
+              <a:rPr lang="fa-IR" dirty="0"/>
+              <a:t>مثل </a:t>
+            </a:r>
+            <a:r>
+              <a:rPr lang="en-US" dirty="0"/>
+              <a:t>memory, threads, GC)</a:t>
+            </a:r>
+          </a:p>
+          <a:p>
+            <a:pPr algn="r" rtl="1"/>
+            <a:r>
+              <a:rPr lang="fa-IR" dirty="0" err="1"/>
+              <a:t>دیتابیس</a:t>
+            </a:r>
+            <a:r>
+              <a:rPr lang="fa-IR" dirty="0"/>
+              <a:t> (مثل </a:t>
+            </a:r>
+            <a:r>
+              <a:rPr lang="en-US" dirty="0" err="1"/>
+              <a:t>HikariCP</a:t>
+            </a:r>
+            <a:r>
+              <a:rPr lang="en-US" dirty="0"/>
+              <a:t>)</a:t>
+            </a:r>
+          </a:p>
+          <a:p>
+            <a:pPr algn="r" rtl="1"/>
+            <a:r>
+              <a:rPr lang="fa-IR" dirty="0"/>
+              <a:t>هر چیز </a:t>
+            </a:r>
+            <a:r>
+              <a:rPr lang="fa-IR" dirty="0" err="1"/>
+              <a:t>دیگه‌ای</a:t>
+            </a:r>
+            <a:r>
+              <a:rPr lang="fa-IR" dirty="0"/>
+              <a:t> که </a:t>
+            </a:r>
+            <a:r>
+              <a:rPr lang="en-US" dirty="0"/>
+              <a:t>bind </a:t>
+            </a:r>
+            <a:r>
+              <a:rPr lang="fa-IR" dirty="0"/>
+              <a:t>شده باشه</a:t>
+            </a:r>
+          </a:p>
+          <a:p>
+            <a:pPr algn="r" rtl="1"/>
+            <a:endParaRPr lang="fa-IR" dirty="0"/>
+          </a:p>
+          <a:p>
+            <a:pPr marL="0" marR="0" lvl="0" indent="0" algn="r" defTabSz="914400" rtl="1" eaLnBrk="1" fontAlgn="auto" latinLnBrk="0" hangingPunct="1">
+              <a:lnSpc>
+                <a:spcPct val="100000"/>
+              </a:lnSpc>
+              <a:spcBef>
+                <a:spcPts val="0"/>
+              </a:spcBef>
+              <a:spcAft>
+                <a:spcPts val="0"/>
+              </a:spcAft>
+              <a:buClrTx/>
+              <a:buSzTx/>
+              <a:buFontTx/>
+              <a:buNone/>
+              <a:tabLst/>
+              <a:defRPr/>
+            </a:pPr>
+            <a:r>
+              <a:rPr lang="fa-IR" b="1" dirty="0"/>
+              <a:t>۲. از طریق </a:t>
+            </a:r>
+            <a:r>
+              <a:rPr lang="en-US" b="1" dirty="0"/>
+              <a:t>Spring Boot Actuator</a:t>
+            </a:r>
+          </a:p>
+          <a:p>
+            <a:pPr marL="0" marR="0" lvl="0" indent="0" algn="r" defTabSz="914400" rtl="1" eaLnBrk="1" fontAlgn="auto" latinLnBrk="0" hangingPunct="1">
+              <a:lnSpc>
+                <a:spcPct val="100000"/>
+              </a:lnSpc>
+              <a:spcBef>
+                <a:spcPts val="0"/>
+              </a:spcBef>
+              <a:spcAft>
+                <a:spcPts val="0"/>
+              </a:spcAft>
+              <a:buClrTx/>
+              <a:buSzTx/>
+              <a:buFontTx/>
+              <a:buNone/>
+              <a:tabLst/>
+              <a:defRPr/>
+            </a:pPr>
+            <a:r>
+              <a:rPr lang="fa-IR" dirty="0"/>
+              <a:t>وقتی این تنظیم رو دادی:</a:t>
+            </a:r>
+          </a:p>
+          <a:p>
+            <a:pPr algn="l" rtl="0"/>
+            <a:r>
+              <a:rPr lang="en-US" dirty="0" err="1"/>
+              <a:t>management.endpoints.web.exposure.include</a:t>
+            </a:r>
+            <a:r>
+              <a:rPr lang="en-US" dirty="0"/>
+              <a:t>=</a:t>
+            </a:r>
+            <a:r>
+              <a:rPr lang="en-US" dirty="0" err="1"/>
+              <a:t>prometheus</a:t>
+            </a:r>
+            <a:endParaRPr lang="en-US" dirty="0"/>
+          </a:p>
+          <a:p>
+            <a:pPr marL="0" marR="0" lvl="0" indent="0" algn="r" defTabSz="914400" rtl="1" eaLnBrk="1" fontAlgn="auto" latinLnBrk="0" hangingPunct="1">
+              <a:lnSpc>
+                <a:spcPct val="100000"/>
+              </a:lnSpc>
+              <a:spcBef>
+                <a:spcPts val="0"/>
+              </a:spcBef>
+              <a:spcAft>
+                <a:spcPts val="0"/>
+              </a:spcAft>
+              <a:buClrTx/>
+              <a:buSzTx/>
+              <a:buFontTx/>
+              <a:buNone/>
+              <a:tabLst/>
+              <a:defRPr/>
+            </a:pPr>
+            <a:r>
+              <a:rPr lang="fa-IR" dirty="0"/>
+              <a:t>این باعث میشه </a:t>
+            </a:r>
+            <a:r>
+              <a:rPr lang="en-US" dirty="0"/>
+              <a:t>endpoint </a:t>
+            </a:r>
+            <a:r>
+              <a:rPr lang="en-US" sz="1200" kern="1200" dirty="0">
+                <a:solidFill>
+                  <a:schemeClr val="tx1"/>
+                </a:solidFill>
+                <a:latin typeface="+mn-lt"/>
+                <a:ea typeface="+mn-ea"/>
+                <a:cs typeface="+mn-cs"/>
+              </a:rPr>
+              <a:t>/actuator/</a:t>
+            </a:r>
+            <a:r>
+              <a:rPr lang="en-US" sz="1200" kern="1200" dirty="0" err="1">
+                <a:solidFill>
+                  <a:schemeClr val="tx1"/>
+                </a:solidFill>
+                <a:latin typeface="+mn-lt"/>
+                <a:ea typeface="+mn-ea"/>
+                <a:cs typeface="+mn-cs"/>
+              </a:rPr>
+              <a:t>prometheus</a:t>
+            </a:r>
+            <a:r>
+              <a:rPr lang="en-US" dirty="0"/>
+              <a:t> </a:t>
+            </a:r>
+            <a:r>
+              <a:rPr lang="fa-IR" dirty="0"/>
+              <a:t>فعال بشه و خروجی </a:t>
+            </a:r>
+            <a:r>
+              <a:rPr lang="fa-IR" dirty="0" err="1"/>
+              <a:t>متریک‌ها</a:t>
+            </a:r>
+            <a:r>
+              <a:rPr lang="fa-IR" dirty="0"/>
+              <a:t> رو به فرمت </a:t>
+            </a:r>
+            <a:r>
+              <a:rPr lang="en-US" dirty="0"/>
+              <a:t>Prometheus </a:t>
+            </a:r>
+            <a:r>
+              <a:rPr lang="fa-IR" dirty="0"/>
+              <a:t>بده.</a:t>
+            </a:r>
+          </a:p>
+          <a:p>
+            <a:pPr marL="0" marR="0" lvl="0" indent="0" algn="r" defTabSz="914400" rtl="1" eaLnBrk="1" fontAlgn="auto" latinLnBrk="0" hangingPunct="1">
+              <a:lnSpc>
+                <a:spcPct val="100000"/>
+              </a:lnSpc>
+              <a:spcBef>
+                <a:spcPts val="0"/>
+              </a:spcBef>
+              <a:spcAft>
+                <a:spcPts val="0"/>
+              </a:spcAft>
+              <a:buClrTx/>
+              <a:buSzTx/>
+              <a:buFontTx/>
+              <a:buNone/>
+              <a:tabLst/>
+              <a:defRPr/>
+            </a:pPr>
+            <a:endParaRPr lang="fa-IR" b="1" dirty="0"/>
+          </a:p>
+          <a:p>
+            <a:pPr marL="0" marR="0" lvl="0" indent="0" algn="r" defTabSz="914400" rtl="1" eaLnBrk="1" fontAlgn="auto" latinLnBrk="0" hangingPunct="1">
+              <a:lnSpc>
+                <a:spcPct val="100000"/>
+              </a:lnSpc>
+              <a:spcBef>
+                <a:spcPts val="0"/>
+              </a:spcBef>
+              <a:spcAft>
+                <a:spcPts val="0"/>
+              </a:spcAft>
+              <a:buClrTx/>
+              <a:buSzTx/>
+              <a:buFontTx/>
+              <a:buNone/>
+              <a:tabLst/>
+              <a:defRPr/>
+            </a:pPr>
+            <a:endParaRPr lang="fa-IR" b="1" dirty="0"/>
+          </a:p>
+          <a:p>
+            <a:pPr marL="0" marR="0" lvl="0" indent="0" algn="r" defTabSz="914400" rtl="1" eaLnBrk="1" fontAlgn="auto" latinLnBrk="0" hangingPunct="1">
+              <a:lnSpc>
+                <a:spcPct val="100000"/>
+              </a:lnSpc>
+              <a:spcBef>
+                <a:spcPts val="0"/>
+              </a:spcBef>
+              <a:spcAft>
+                <a:spcPts val="0"/>
+              </a:spcAft>
+              <a:buClrTx/>
+              <a:buSzTx/>
+              <a:buFontTx/>
+              <a:buNone/>
+              <a:tabLst/>
+              <a:defRPr/>
+            </a:pPr>
+            <a:endParaRPr lang="fa-IR" b="1" dirty="0"/>
+          </a:p>
+          <a:p>
+            <a:pPr marL="0" marR="0" lvl="0" indent="0" algn="r" defTabSz="914400" rtl="1" eaLnBrk="1" fontAlgn="auto" latinLnBrk="0" hangingPunct="1">
+              <a:lnSpc>
+                <a:spcPct val="100000"/>
+              </a:lnSpc>
+              <a:spcBef>
+                <a:spcPts val="0"/>
+              </a:spcBef>
+              <a:spcAft>
+                <a:spcPts val="0"/>
+              </a:spcAft>
+              <a:buClrTx/>
+              <a:buSzTx/>
+              <a:buFontTx/>
+              <a:buNone/>
+              <a:tabLst/>
+              <a:defRPr/>
+            </a:pPr>
+            <a:endParaRPr lang="fa-IR" b="1" dirty="0"/>
+          </a:p>
+          <a:p>
+            <a:pPr marL="0" marR="0" lvl="0" indent="0" algn="r" defTabSz="914400" rtl="1" eaLnBrk="1" fontAlgn="auto" latinLnBrk="0" hangingPunct="1">
+              <a:lnSpc>
+                <a:spcPct val="100000"/>
+              </a:lnSpc>
+              <a:spcBef>
+                <a:spcPts val="0"/>
+              </a:spcBef>
+              <a:spcAft>
+                <a:spcPts val="0"/>
+              </a:spcAft>
+              <a:buClrTx/>
+              <a:buSzTx/>
+              <a:buFontTx/>
+              <a:buNone/>
+              <a:tabLst/>
+              <a:defRPr/>
+            </a:pPr>
+            <a:endParaRPr lang="fa-IR" b="1" dirty="0"/>
+          </a:p>
+          <a:p>
+            <a:pPr marL="0" marR="0" lvl="0" indent="0" algn="r" defTabSz="914400" rtl="1" eaLnBrk="1" fontAlgn="auto" latinLnBrk="0" hangingPunct="1">
+              <a:lnSpc>
+                <a:spcPct val="100000"/>
+              </a:lnSpc>
+              <a:spcBef>
+                <a:spcPts val="0"/>
+              </a:spcBef>
+              <a:spcAft>
+                <a:spcPts val="0"/>
+              </a:spcAft>
+              <a:buClrTx/>
+              <a:buSzTx/>
+              <a:buFontTx/>
+              <a:buNone/>
+              <a:tabLst/>
+              <a:defRPr/>
+            </a:pPr>
+            <a:endParaRPr lang="fa-IR" b="1" dirty="0"/>
+          </a:p>
+          <a:p>
+            <a:pPr marL="0" marR="0" lvl="0" indent="0" algn="r" defTabSz="914400" rtl="1" eaLnBrk="1" fontAlgn="auto" latinLnBrk="0" hangingPunct="1">
+              <a:lnSpc>
+                <a:spcPct val="100000"/>
+              </a:lnSpc>
+              <a:spcBef>
+                <a:spcPts val="0"/>
+              </a:spcBef>
+              <a:spcAft>
+                <a:spcPts val="0"/>
+              </a:spcAft>
+              <a:buClrTx/>
+              <a:buSzTx/>
+              <a:buFontTx/>
+              <a:buNone/>
+              <a:tabLst/>
+              <a:defRPr/>
+            </a:pPr>
+            <a:r>
+              <a:rPr lang="en-US" b="1" dirty="0"/>
+              <a:t>📌 </a:t>
+            </a:r>
+            <a:r>
+              <a:rPr lang="fa-IR" b="1" dirty="0"/>
+              <a:t>آیا میشه </a:t>
+            </a:r>
+            <a:r>
+              <a:rPr lang="fa-IR" b="1" dirty="0" err="1"/>
+              <a:t>متریک‌های</a:t>
+            </a:r>
+            <a:r>
+              <a:rPr lang="fa-IR" b="1" dirty="0"/>
+              <a:t> بیشتری اضافه کرد؟</a:t>
+            </a:r>
+          </a:p>
+          <a:p>
+            <a:pPr marL="0" marR="0" lvl="0" indent="0" algn="r" defTabSz="914400" rtl="1" eaLnBrk="1" fontAlgn="auto" latinLnBrk="0" hangingPunct="1">
+              <a:lnSpc>
+                <a:spcPct val="100000"/>
+              </a:lnSpc>
+              <a:spcBef>
+                <a:spcPts val="0"/>
+              </a:spcBef>
+              <a:spcAft>
+                <a:spcPts val="0"/>
+              </a:spcAft>
+              <a:buClrTx/>
+              <a:buSzTx/>
+              <a:buFontTx/>
+              <a:buNone/>
+              <a:tabLst/>
+              <a:defRPr/>
+            </a:pPr>
+            <a:r>
+              <a:rPr lang="fa-IR" b="1" dirty="0"/>
+              <a:t>۱. تعریف دستی با </a:t>
+            </a:r>
+            <a:r>
+              <a:rPr lang="en-US" b="1" dirty="0"/>
+              <a:t>Micrometer</a:t>
+            </a:r>
+          </a:p>
+          <a:p>
+            <a:pPr algn="l" rtl="0"/>
+            <a:r>
+              <a:rPr lang="en-US" dirty="0"/>
+              <a:t>@Autowired</a:t>
+            </a:r>
+          </a:p>
+          <a:p>
+            <a:pPr algn="l" rtl="0"/>
+            <a:r>
+              <a:rPr lang="en-US" dirty="0" err="1"/>
+              <a:t>MeterRegistry</a:t>
+            </a:r>
+            <a:r>
+              <a:rPr lang="en-US" dirty="0"/>
+              <a:t> </a:t>
+            </a:r>
+            <a:r>
+              <a:rPr lang="en-US" dirty="0" err="1"/>
+              <a:t>meterRegistry</a:t>
+            </a:r>
+            <a:r>
+              <a:rPr lang="en-US" dirty="0"/>
+              <a:t>;</a:t>
+            </a:r>
+          </a:p>
+          <a:p>
+            <a:pPr algn="l" rtl="0"/>
+            <a:endParaRPr lang="en-US" dirty="0"/>
+          </a:p>
+          <a:p>
+            <a:pPr algn="l" rtl="0"/>
+            <a:r>
+              <a:rPr lang="en-US" dirty="0"/>
+              <a:t>@PostConstruct</a:t>
+            </a:r>
+          </a:p>
+          <a:p>
+            <a:pPr algn="l" rtl="0"/>
+            <a:r>
+              <a:rPr lang="en-US" dirty="0"/>
+              <a:t>public void </a:t>
+            </a:r>
+            <a:r>
+              <a:rPr lang="en-US" dirty="0" err="1"/>
+              <a:t>init</a:t>
+            </a:r>
+            <a:r>
+              <a:rPr lang="en-US" dirty="0"/>
+              <a:t>() {</a:t>
+            </a:r>
+          </a:p>
+          <a:p>
+            <a:pPr algn="l" rtl="0"/>
+            <a:r>
+              <a:rPr lang="en-US" dirty="0"/>
+              <a:t>    Counter </a:t>
+            </a:r>
+            <a:r>
+              <a:rPr lang="en-US" dirty="0" err="1"/>
+              <a:t>counter</a:t>
+            </a:r>
+            <a:r>
+              <a:rPr lang="en-US" dirty="0"/>
+              <a:t> = </a:t>
+            </a:r>
+            <a:r>
+              <a:rPr lang="en-US" dirty="0" err="1"/>
+              <a:t>Counter.builder</a:t>
+            </a:r>
+            <a:r>
+              <a:rPr lang="en-US" dirty="0"/>
+              <a:t>("</a:t>
+            </a:r>
+            <a:r>
+              <a:rPr lang="en-US" dirty="0" err="1"/>
+              <a:t>custom_order_count</a:t>
+            </a:r>
+            <a:r>
+              <a:rPr lang="en-US" dirty="0"/>
+              <a:t>")</a:t>
+            </a:r>
+          </a:p>
+          <a:p>
+            <a:pPr algn="l" rtl="0"/>
+            <a:r>
+              <a:rPr lang="en-US" dirty="0"/>
+              <a:t>        .description("</a:t>
+            </a:r>
+            <a:r>
+              <a:rPr lang="fa-IR" dirty="0"/>
+              <a:t>تعداد </a:t>
+            </a:r>
+            <a:r>
+              <a:rPr lang="fa-IR" dirty="0" err="1"/>
+              <a:t>سفارش‌های</a:t>
+            </a:r>
+            <a:r>
+              <a:rPr lang="fa-IR" dirty="0"/>
+              <a:t> </a:t>
+            </a:r>
+            <a:r>
+              <a:rPr lang="fa-IR" dirty="0" err="1"/>
+              <a:t>ثبت‌شده</a:t>
+            </a:r>
+            <a:r>
+              <a:rPr lang="fa-IR" dirty="0"/>
+              <a:t>")</a:t>
+            </a:r>
+          </a:p>
+          <a:p>
+            <a:pPr algn="l" rtl="0"/>
+            <a:r>
+              <a:rPr lang="fa-IR" dirty="0"/>
+              <a:t>        .</a:t>
+            </a:r>
+            <a:r>
+              <a:rPr lang="en-US" dirty="0"/>
+              <a:t>register(</a:t>
+            </a:r>
+            <a:r>
+              <a:rPr lang="en-US" dirty="0" err="1"/>
+              <a:t>meterRegistry</a:t>
+            </a:r>
+            <a:r>
+              <a:rPr lang="en-US" dirty="0"/>
+              <a:t>);</a:t>
+            </a:r>
+          </a:p>
+          <a:p>
+            <a:pPr algn="l" rtl="0"/>
+            <a:r>
+              <a:rPr lang="en-US" dirty="0"/>
+              <a:t>    </a:t>
+            </a:r>
+            <a:r>
+              <a:rPr lang="en-US" dirty="0" err="1"/>
+              <a:t>counter.increment</a:t>
+            </a:r>
+            <a:r>
+              <a:rPr lang="en-US" dirty="0"/>
+              <a:t>();</a:t>
+            </a:r>
+          </a:p>
+          <a:p>
+            <a:pPr algn="l" rtl="0"/>
+            <a:r>
+              <a:rPr lang="en-US" dirty="0"/>
+              <a:t>}</a:t>
+            </a:r>
+          </a:p>
+          <a:p>
+            <a:pPr marL="0" marR="0" lvl="0" indent="0" algn="r" defTabSz="914400" rtl="1" eaLnBrk="1" fontAlgn="auto" latinLnBrk="0" hangingPunct="1">
+              <a:lnSpc>
+                <a:spcPct val="100000"/>
+              </a:lnSpc>
+              <a:spcBef>
+                <a:spcPts val="0"/>
+              </a:spcBef>
+              <a:spcAft>
+                <a:spcPts val="0"/>
+              </a:spcAft>
+              <a:buClrTx/>
+              <a:buSzTx/>
+              <a:buFontTx/>
+              <a:buNone/>
+              <a:tabLst/>
+              <a:defRPr/>
+            </a:pPr>
+            <a:r>
+              <a:rPr lang="fa-IR" dirty="0"/>
+              <a:t>بعد از این، </a:t>
+            </a:r>
+            <a:r>
+              <a:rPr lang="fa-IR" dirty="0" err="1"/>
+              <a:t>متریک</a:t>
+            </a:r>
+            <a:r>
+              <a:rPr lang="fa-IR" dirty="0"/>
+              <a:t> </a:t>
+            </a:r>
+            <a:r>
+              <a:rPr lang="en-US" sz="1200" kern="1200" dirty="0" err="1">
+                <a:solidFill>
+                  <a:schemeClr val="tx1"/>
+                </a:solidFill>
+                <a:latin typeface="+mn-lt"/>
+                <a:ea typeface="+mn-ea"/>
+                <a:cs typeface="+mn-cs"/>
+              </a:rPr>
+              <a:t>custom_order_count</a:t>
+            </a:r>
+            <a:r>
+              <a:rPr lang="en-US" dirty="0"/>
+              <a:t> </a:t>
+            </a:r>
+            <a:r>
+              <a:rPr lang="fa-IR" dirty="0"/>
+              <a:t>در </a:t>
+            </a:r>
+            <a:r>
+              <a:rPr lang="fa-IR" sz="1200" kern="1200" dirty="0">
+                <a:solidFill>
+                  <a:schemeClr val="tx1"/>
+                </a:solidFill>
+                <a:latin typeface="+mn-lt"/>
+                <a:ea typeface="+mn-ea"/>
+                <a:cs typeface="+mn-cs"/>
+              </a:rPr>
+              <a:t>/</a:t>
+            </a:r>
+            <a:r>
+              <a:rPr lang="en-US" sz="1200" kern="1200" dirty="0">
+                <a:solidFill>
+                  <a:schemeClr val="tx1"/>
+                </a:solidFill>
+                <a:latin typeface="+mn-lt"/>
+                <a:ea typeface="+mn-ea"/>
+                <a:cs typeface="+mn-cs"/>
+              </a:rPr>
+              <a:t>actuator/</a:t>
+            </a:r>
+            <a:r>
+              <a:rPr lang="en-US" sz="1200" kern="1200" dirty="0" err="1">
+                <a:solidFill>
+                  <a:schemeClr val="tx1"/>
+                </a:solidFill>
+                <a:latin typeface="+mn-lt"/>
+                <a:ea typeface="+mn-ea"/>
+                <a:cs typeface="+mn-cs"/>
+              </a:rPr>
+              <a:t>prometheus</a:t>
+            </a:r>
+            <a:r>
+              <a:rPr lang="en-US" dirty="0"/>
+              <a:t> </a:t>
+            </a:r>
+            <a:r>
+              <a:rPr lang="fa-IR" dirty="0"/>
+              <a:t>ظاهر میشه.</a:t>
+            </a:r>
+          </a:p>
+          <a:p>
+            <a:pPr marL="0" marR="0" lvl="0" indent="0" algn="r" defTabSz="914400" rtl="1" eaLnBrk="1" fontAlgn="auto" latinLnBrk="0" hangingPunct="1">
+              <a:lnSpc>
+                <a:spcPct val="100000"/>
+              </a:lnSpc>
+              <a:spcBef>
+                <a:spcPts val="0"/>
+              </a:spcBef>
+              <a:spcAft>
+                <a:spcPts val="0"/>
+              </a:spcAft>
+              <a:buClrTx/>
+              <a:buSzTx/>
+              <a:buFontTx/>
+              <a:buNone/>
+              <a:tabLst/>
+              <a:defRPr/>
+            </a:pPr>
+            <a:r>
+              <a:rPr lang="fa-IR" b="1" dirty="0"/>
+              <a:t>۲. استفاده از </a:t>
+            </a:r>
+            <a:r>
+              <a:rPr lang="en-US" b="1" dirty="0"/>
+              <a:t>annotation</a:t>
+            </a:r>
+          </a:p>
+          <a:p>
+            <a:pPr marL="0" marR="0" lvl="0" indent="0" algn="r" defTabSz="914400" rtl="1" eaLnBrk="1" fontAlgn="auto" latinLnBrk="0" hangingPunct="1">
+              <a:lnSpc>
+                <a:spcPct val="100000"/>
+              </a:lnSpc>
+              <a:spcBef>
+                <a:spcPts val="0"/>
+              </a:spcBef>
+              <a:spcAft>
+                <a:spcPts val="0"/>
+              </a:spcAft>
+              <a:buClrTx/>
+              <a:buSzTx/>
+              <a:buFontTx/>
+              <a:buNone/>
+              <a:tabLst/>
+              <a:defRPr/>
+            </a:pPr>
+            <a:r>
+              <a:rPr lang="fa-IR" dirty="0"/>
+              <a:t>مثلاً با </a:t>
+            </a:r>
+            <a:r>
+              <a:rPr lang="fa-IR" sz="1200" kern="1200" dirty="0">
+                <a:solidFill>
+                  <a:schemeClr val="tx1"/>
+                </a:solidFill>
+                <a:latin typeface="+mn-lt"/>
+                <a:ea typeface="+mn-ea"/>
+                <a:cs typeface="+mn-cs"/>
+              </a:rPr>
+              <a:t>@</a:t>
+            </a:r>
+            <a:r>
+              <a:rPr lang="en-US" sz="1200" kern="1200" dirty="0">
+                <a:solidFill>
+                  <a:schemeClr val="tx1"/>
+                </a:solidFill>
+                <a:latin typeface="+mn-lt"/>
+                <a:ea typeface="+mn-ea"/>
+                <a:cs typeface="+mn-cs"/>
+              </a:rPr>
+              <a:t>Timed</a:t>
+            </a:r>
+            <a:r>
+              <a:rPr lang="en-US" dirty="0"/>
+              <a:t> </a:t>
+            </a:r>
+            <a:r>
+              <a:rPr lang="fa-IR" dirty="0"/>
+              <a:t>یا </a:t>
+            </a:r>
+            <a:r>
+              <a:rPr lang="fa-IR" sz="1200" kern="1200" dirty="0">
+                <a:solidFill>
+                  <a:schemeClr val="tx1"/>
+                </a:solidFill>
+                <a:latin typeface="+mn-lt"/>
+                <a:ea typeface="+mn-ea"/>
+                <a:cs typeface="+mn-cs"/>
+              </a:rPr>
+              <a:t>@</a:t>
+            </a:r>
+            <a:r>
+              <a:rPr lang="en-US" sz="1200" kern="1200" dirty="0">
+                <a:solidFill>
+                  <a:schemeClr val="tx1"/>
+                </a:solidFill>
+                <a:latin typeface="+mn-lt"/>
+                <a:ea typeface="+mn-ea"/>
+                <a:cs typeface="+mn-cs"/>
+              </a:rPr>
+              <a:t>Counted</a:t>
+            </a:r>
+            <a:r>
+              <a:rPr lang="en-US" dirty="0"/>
+              <a:t>:</a:t>
+            </a:r>
+          </a:p>
+          <a:p>
+            <a:pPr algn="l" rtl="0"/>
+            <a:r>
+              <a:rPr lang="en-US" dirty="0"/>
+              <a:t>@Timed(value = "</a:t>
+            </a:r>
+            <a:r>
+              <a:rPr lang="en-US" dirty="0" err="1"/>
+              <a:t>custom_api_timer</a:t>
+            </a:r>
+            <a:r>
+              <a:rPr lang="en-US" dirty="0"/>
+              <a:t>", description = "</a:t>
+            </a:r>
+            <a:r>
+              <a:rPr lang="fa-IR" dirty="0"/>
+              <a:t>زمان اجرای </a:t>
+            </a:r>
+            <a:r>
+              <a:rPr lang="en-US" dirty="0"/>
+              <a:t>API")</a:t>
+            </a:r>
+          </a:p>
+          <a:p>
+            <a:pPr algn="l" rtl="0"/>
+            <a:r>
+              <a:rPr lang="en-US" dirty="0"/>
+              <a:t>@GetMapping("/api/test")</a:t>
+            </a:r>
+          </a:p>
+          <a:p>
+            <a:pPr algn="l" rtl="0"/>
+            <a:r>
+              <a:rPr lang="en-US" dirty="0"/>
+              <a:t>public String test() {</a:t>
+            </a:r>
+          </a:p>
+          <a:p>
+            <a:pPr algn="l" rtl="0"/>
+            <a:r>
+              <a:rPr lang="en-US" dirty="0"/>
+              <a:t>    return "ok";</a:t>
+            </a:r>
+          </a:p>
+          <a:p>
+            <a:pPr algn="l" rtl="0"/>
+            <a:r>
+              <a:rPr lang="en-US" dirty="0"/>
+              <a:t>}</a:t>
+            </a:r>
+          </a:p>
+          <a:p>
+            <a:pPr algn="r" rtl="1"/>
+            <a:endParaRPr lang="fa-IR" dirty="0"/>
+          </a:p>
+          <a:p>
+            <a:pPr marL="0" marR="0" lvl="0" indent="0" algn="r" defTabSz="914400" rtl="1" eaLnBrk="1" fontAlgn="auto" latinLnBrk="0" hangingPunct="1">
+              <a:lnSpc>
+                <a:spcPct val="100000"/>
+              </a:lnSpc>
+              <a:spcBef>
+                <a:spcPts val="0"/>
+              </a:spcBef>
+              <a:spcAft>
+                <a:spcPts val="0"/>
+              </a:spcAft>
+              <a:buClrTx/>
+              <a:buSzTx/>
+              <a:buFontTx/>
+              <a:buNone/>
+              <a:tabLst/>
+              <a:defRPr/>
+            </a:pPr>
+            <a:r>
+              <a:rPr lang="fa-IR" b="1" dirty="0"/>
+              <a:t>۳. استفاده از </a:t>
+            </a:r>
+            <a:r>
+              <a:rPr lang="en-US" b="1" dirty="0"/>
+              <a:t>binders </a:t>
+            </a:r>
+            <a:r>
+              <a:rPr lang="fa-IR" b="1" dirty="0"/>
+              <a:t>خارجی</a:t>
+            </a:r>
+          </a:p>
+          <a:p>
+            <a:pPr algn="r" rtl="1"/>
+            <a:endParaRPr lang="fa-IR" dirty="0"/>
+          </a:p>
+          <a:p>
+            <a:pPr algn="r" rtl="1"/>
+            <a:r>
+              <a:rPr lang="en-US" dirty="0"/>
+              <a:t>Micrometer </a:t>
+            </a:r>
+            <a:r>
+              <a:rPr lang="fa-IR" dirty="0"/>
+              <a:t>برای </a:t>
+            </a:r>
+            <a:r>
+              <a:rPr lang="fa-IR" dirty="0" err="1"/>
+              <a:t>سرویس‌های</a:t>
+            </a:r>
+            <a:r>
+              <a:rPr lang="fa-IR" dirty="0"/>
+              <a:t> مختلف </a:t>
+            </a:r>
+            <a:r>
+              <a:rPr lang="en-US" dirty="0"/>
+              <a:t>binder </a:t>
+            </a:r>
+            <a:r>
+              <a:rPr lang="fa-IR" dirty="0" err="1"/>
+              <a:t>داره</a:t>
+            </a:r>
+            <a:r>
+              <a:rPr lang="fa-IR" dirty="0"/>
+              <a:t>:</a:t>
+            </a:r>
+          </a:p>
+          <a:p>
+            <a:pPr algn="r" rtl="1"/>
+            <a:r>
+              <a:rPr lang="en-US" dirty="0"/>
+              <a:t>Kafka</a:t>
+            </a:r>
+          </a:p>
+          <a:p>
+            <a:pPr algn="r" rtl="1"/>
+            <a:r>
+              <a:rPr lang="en-US" dirty="0"/>
+              <a:t>Redis</a:t>
+            </a:r>
+          </a:p>
+          <a:p>
+            <a:pPr algn="r" rtl="1"/>
+            <a:r>
+              <a:rPr lang="en-US" dirty="0"/>
+              <a:t>MongoDB</a:t>
+            </a:r>
+          </a:p>
+          <a:p>
+            <a:pPr algn="r" rtl="1"/>
+            <a:r>
+              <a:rPr lang="en-US" dirty="0"/>
+              <a:t>RabbitMQ</a:t>
+            </a:r>
+          </a:p>
+          <a:p>
+            <a:pPr algn="r" rtl="1"/>
+            <a:r>
+              <a:rPr lang="en-US" dirty="0"/>
+              <a:t>Tomcat</a:t>
+            </a:r>
+          </a:p>
+          <a:p>
+            <a:pPr algn="r" rtl="1"/>
+            <a:r>
+              <a:rPr lang="en-US" dirty="0"/>
+              <a:t>Jetty</a:t>
+            </a:r>
+          </a:p>
+          <a:p>
+            <a:pPr algn="r" rtl="1"/>
+            <a:r>
+              <a:rPr lang="fa-IR" dirty="0"/>
+              <a:t>و غیره...</a:t>
+            </a:r>
+          </a:p>
+          <a:p>
+            <a:pPr algn="r" rtl="1"/>
+            <a:r>
+              <a:rPr lang="fa-IR" dirty="0"/>
+              <a:t>با اضافه کردن </a:t>
+            </a:r>
+            <a:r>
+              <a:rPr lang="en-US" dirty="0"/>
+              <a:t>dependency </a:t>
+            </a:r>
+            <a:r>
+              <a:rPr lang="fa-IR" dirty="0"/>
+              <a:t>مربوطه، </a:t>
+            </a:r>
+            <a:r>
+              <a:rPr lang="fa-IR" dirty="0" err="1"/>
+              <a:t>متریک‌های</a:t>
+            </a:r>
+            <a:r>
+              <a:rPr lang="fa-IR" dirty="0"/>
+              <a:t> اون سرویس هم به </a:t>
+            </a:r>
+            <a:r>
+              <a:rPr lang="fa-IR" sz="1200" kern="1200" dirty="0">
+                <a:solidFill>
+                  <a:schemeClr val="tx1"/>
+                </a:solidFill>
+                <a:latin typeface="+mn-lt"/>
+                <a:ea typeface="+mn-ea"/>
+                <a:cs typeface="+mn-cs"/>
+              </a:rPr>
+              <a:t>/</a:t>
+            </a:r>
+            <a:r>
+              <a:rPr lang="en-US" sz="1200" kern="1200" dirty="0">
+                <a:solidFill>
+                  <a:schemeClr val="tx1"/>
+                </a:solidFill>
+                <a:latin typeface="+mn-lt"/>
+                <a:ea typeface="+mn-ea"/>
+                <a:cs typeface="+mn-cs"/>
+              </a:rPr>
+              <a:t>actuator/</a:t>
+            </a:r>
+            <a:r>
+              <a:rPr lang="en-US" sz="1200" kern="1200" dirty="0" err="1">
+                <a:solidFill>
+                  <a:schemeClr val="tx1"/>
+                </a:solidFill>
+                <a:latin typeface="+mn-lt"/>
+                <a:ea typeface="+mn-ea"/>
+                <a:cs typeface="+mn-cs"/>
+              </a:rPr>
+              <a:t>prometheus</a:t>
+            </a:r>
+            <a:r>
+              <a:rPr lang="en-US" dirty="0"/>
+              <a:t> </a:t>
+            </a:r>
+            <a:r>
+              <a:rPr lang="fa-IR" dirty="0"/>
+              <a:t>اضافه </a:t>
+            </a:r>
+            <a:r>
+              <a:rPr lang="fa-IR" dirty="0" err="1"/>
+              <a:t>می‌شن</a:t>
+            </a:r>
+            <a:r>
+              <a:rPr lang="fa-IR" dirty="0"/>
+              <a:t>.</a:t>
+            </a:r>
+          </a:p>
+          <a:p>
+            <a:pPr algn="r" rtl="1"/>
+            <a:endParaRPr lang="fa-IR" dirty="0"/>
+          </a:p>
+          <a:p>
+            <a:pPr marL="0" marR="0" lvl="0" indent="0" algn="r" defTabSz="914400" rtl="1" eaLnBrk="1" fontAlgn="auto" latinLnBrk="0" hangingPunct="1">
+              <a:lnSpc>
+                <a:spcPct val="100000"/>
+              </a:lnSpc>
+              <a:spcBef>
+                <a:spcPts val="0"/>
+              </a:spcBef>
+              <a:spcAft>
+                <a:spcPts val="0"/>
+              </a:spcAft>
+              <a:buClrTx/>
+              <a:buSzTx/>
+              <a:buFontTx/>
+              <a:buNone/>
+              <a:tabLst/>
+              <a:defRPr/>
+            </a:pPr>
+            <a:r>
+              <a:rPr lang="en-US" b="1" dirty="0"/>
+              <a:t>🔍 </a:t>
+            </a:r>
+            <a:r>
+              <a:rPr lang="fa-IR" b="1" dirty="0"/>
+              <a:t>چطور ببینی چه </a:t>
+            </a:r>
+            <a:r>
+              <a:rPr lang="fa-IR" b="1" dirty="0" err="1"/>
+              <a:t>متریک‌هایی</a:t>
+            </a:r>
+            <a:r>
+              <a:rPr lang="fa-IR" b="1" dirty="0"/>
+              <a:t> فعال هستن؟</a:t>
+            </a:r>
+          </a:p>
+          <a:p>
+            <a:pPr algn="r" rtl="1"/>
+            <a:r>
+              <a:rPr lang="fa-IR" dirty="0"/>
+              <a:t>باز کن: </a:t>
+            </a:r>
+            <a:r>
+              <a:rPr lang="en-US" sz="1200" kern="1200" dirty="0">
+                <a:solidFill>
+                  <a:schemeClr val="tx1"/>
+                </a:solidFill>
+                <a:latin typeface="+mn-lt"/>
+                <a:ea typeface="+mn-ea"/>
+                <a:cs typeface="+mn-cs"/>
+              </a:rPr>
+              <a:t>http://localhost:8084/actuator/prometheus</a:t>
+            </a:r>
+            <a:endParaRPr lang="en-US" dirty="0"/>
+          </a:p>
+          <a:p>
+            <a:pPr algn="r" rtl="1"/>
+            <a:r>
+              <a:rPr lang="fa-IR" dirty="0"/>
+              <a:t>هر خط یک </a:t>
+            </a:r>
+            <a:r>
+              <a:rPr lang="fa-IR" dirty="0" err="1"/>
+              <a:t>متریکه</a:t>
+            </a:r>
+            <a:r>
+              <a:rPr lang="fa-IR" dirty="0"/>
+              <a:t>، مثل:</a:t>
+            </a:r>
+          </a:p>
+          <a:p>
+            <a:pPr algn="r" rtl="1"/>
+            <a:r>
+              <a:rPr lang="en-US" dirty="0" err="1"/>
+              <a:t>http_server_requests_seconds_count</a:t>
+            </a:r>
+            <a:r>
+              <a:rPr lang="en-US" dirty="0"/>
+              <a:t>{method="GET",</a:t>
+            </a:r>
+            <a:r>
+              <a:rPr lang="en-US" dirty="0" err="1"/>
+              <a:t>uri</a:t>
+            </a:r>
+            <a:r>
+              <a:rPr lang="en-US" dirty="0"/>
+              <a:t>="/</a:t>
+            </a:r>
+            <a:r>
+              <a:rPr lang="en-US" dirty="0" err="1"/>
+              <a:t>api</a:t>
+            </a:r>
+            <a:r>
+              <a:rPr lang="en-US" dirty="0"/>
+              <a:t>/</a:t>
+            </a:r>
+            <a:r>
+              <a:rPr lang="en-US" dirty="0" err="1"/>
+              <a:t>test",status</a:t>
+            </a:r>
+            <a:r>
+              <a:rPr lang="en-US" dirty="0"/>
+              <a:t>="200",...} 12.0</a:t>
+            </a:r>
+          </a:p>
+          <a:p>
+            <a:pPr algn="r" rtl="1"/>
+            <a:endParaRPr lang="en-US" dirty="0"/>
+          </a:p>
+        </p:txBody>
+      </p:sp>
+      <p:sp>
+        <p:nvSpPr>
+          <p:cNvPr id="4" name="Slide Number Placeholder 3"/>
+          <p:cNvSpPr>
+            <a:spLocks noGrp="1"/>
+          </p:cNvSpPr>
+          <p:nvPr>
+            <p:ph type="sldNum" sz="quarter" idx="5"/>
+          </p:nvPr>
+        </p:nvSpPr>
+        <p:spPr/>
+        <p:txBody>
+          <a:bodyPr/>
+          <a:lstStyle/>
+          <a:p>
+            <a:fld id="{6E0BF392-4E4A-4438-AD88-50A19954051F}" type="slidenum">
+              <a:rPr lang="en-US" smtClean="0"/>
+              <a:t>10</a:t>
+            </a:fld>
+            <a:endParaRPr lang="en-US"/>
+          </a:p>
+        </p:txBody>
+      </p:sp>
+    </p:spTree>
+    <p:extLst>
+      <p:ext uri="{BB962C8B-B14F-4D97-AF65-F5344CB8AC3E}">
+        <p14:creationId xmlns:p14="http://schemas.microsoft.com/office/powerpoint/2010/main" val="1737939817"/>
+      </p:ext>
+    </p:extLst>
+  </p:cSld>
+  <p:clrMapOvr>
+    <a:masterClrMapping/>
+  </p:clrMapOvr>
+</p:notes>
+</file>
+
 <file path=ppt/slideLayouts/slideLayout1.xml><?xml version="1.0" encoding="utf-8"?>
 <p:sldLayout xmlns:a="http://schemas.openxmlformats.org/drawingml/2006/main" xmlns:r="http://schemas.openxmlformats.org/officeDocument/2006/relationships" xmlns:p="http://schemas.openxmlformats.org/presentationml/2006/main" type="title" preserve="1">
   <p:cSld name="Title Slide">
@@ -5565,7 +6926,7 @@
           <a:p>
             <a:fld id="{5BCAD085-E8A6-8845-BD4E-CB4CCA059FC4}" type="datetimeFigureOut">
               <a:rPr lang="en-US" smtClean="0"/>
-              <a:t>10/14/2025</a:t>
+              <a:t>10/15/2025</a:t>
             </a:fld>
             <a:endParaRPr lang="en-US"/>
           </a:p>
@@ -5840,7 +7201,7 @@
           <a:p>
             <a:fld id="{5BCAD085-E8A6-8845-BD4E-CB4CCA059FC4}" type="datetimeFigureOut">
               <a:rPr lang="en-US" smtClean="0"/>
-              <a:t>10/14/2025</a:t>
+              <a:t>10/15/2025</a:t>
             </a:fld>
             <a:endParaRPr lang="en-US"/>
           </a:p>
@@ -6034,7 +7395,7 @@
           <a:p>
             <a:fld id="{5BCAD085-E8A6-8845-BD4E-CB4CCA059FC4}" type="datetimeFigureOut">
               <a:rPr lang="en-US" smtClean="0"/>
-              <a:t>10/14/2025</a:t>
+              <a:t>10/15/2025</a:t>
             </a:fld>
             <a:endParaRPr lang="en-US"/>
           </a:p>
@@ -6307,7 +7668,7 @@
           <a:p>
             <a:fld id="{5BCAD085-E8A6-8845-BD4E-CB4CCA059FC4}" type="datetimeFigureOut">
               <a:rPr lang="en-US" smtClean="0"/>
-              <a:t>10/14/2025</a:t>
+              <a:t>10/15/2025</a:t>
             </a:fld>
             <a:endParaRPr lang="en-US"/>
           </a:p>
@@ -6648,7 +8009,7 @@
           <a:p>
             <a:fld id="{5BCAD085-E8A6-8845-BD4E-CB4CCA059FC4}" type="datetimeFigureOut">
               <a:rPr lang="en-US" smtClean="0"/>
-              <a:t>10/14/2025</a:t>
+              <a:t>10/15/2025</a:t>
             </a:fld>
             <a:endParaRPr lang="en-US"/>
           </a:p>
@@ -7271,7 +8632,7 @@
           <a:p>
             <a:fld id="{5BCAD085-E8A6-8845-BD4E-CB4CCA059FC4}" type="datetimeFigureOut">
               <a:rPr lang="en-US" smtClean="0"/>
-              <a:t>10/14/2025</a:t>
+              <a:t>10/15/2025</a:t>
             </a:fld>
             <a:endParaRPr lang="en-US"/>
           </a:p>
@@ -8131,7 +9492,7 @@
           <a:p>
             <a:fld id="{5BCAD085-E8A6-8845-BD4E-CB4CCA059FC4}" type="datetimeFigureOut">
               <a:rPr lang="en-US" smtClean="0"/>
-              <a:t>10/14/2025</a:t>
+              <a:t>10/15/2025</a:t>
             </a:fld>
             <a:endParaRPr lang="en-US"/>
           </a:p>
@@ -8301,7 +9662,7 @@
           <a:p>
             <a:fld id="{5BCAD085-E8A6-8845-BD4E-CB4CCA059FC4}" type="datetimeFigureOut">
               <a:rPr lang="en-US" smtClean="0"/>
-              <a:t>10/14/2025</a:t>
+              <a:t>10/15/2025</a:t>
             </a:fld>
             <a:endParaRPr lang="en-US"/>
           </a:p>
@@ -8481,7 +9842,7 @@
           <a:p>
             <a:fld id="{5BCAD085-E8A6-8845-BD4E-CB4CCA059FC4}" type="datetimeFigureOut">
               <a:rPr lang="en-US" smtClean="0"/>
-              <a:t>10/14/2025</a:t>
+              <a:t>10/15/2025</a:t>
             </a:fld>
             <a:endParaRPr lang="en-US"/>
           </a:p>
@@ -8569,14 +9930,19 @@
             <p:ph type="title"/>
           </p:nvPr>
         </p:nvSpPr>
-        <p:spPr/>
+        <p:spPr>
+          <a:xfrm>
+            <a:off x="484710" y="452718"/>
+            <a:ext cx="7055380" cy="610705"/>
+          </a:xfrm>
+        </p:spPr>
         <p:txBody>
           <a:bodyPr/>
           <a:lstStyle>
             <a:lvl1pPr algn="r" rtl="1">
               <a:defRPr sz="3200">
                 <a:latin typeface="IRANSans" panose="02040503050201020203" pitchFamily="18" charset="-78"/>
-                <a:cs typeface="IRANSans" panose="02040503050201020203" pitchFamily="18" charset="-78"/>
+                <a:cs typeface="B Nazanin" panose="00000400000000000000" pitchFamily="2" charset="-78"/>
               </a:defRPr>
             </a:lvl1pPr>
           </a:lstStyle>
@@ -8598,38 +9964,43 @@
             <p:ph idx="1"/>
           </p:nvPr>
         </p:nvSpPr>
-        <p:spPr/>
+        <p:spPr>
+          <a:xfrm>
+            <a:off x="827700" y="1447803"/>
+            <a:ext cx="6711654" cy="4800603"/>
+          </a:xfrm>
+        </p:spPr>
         <p:txBody>
           <a:bodyPr/>
           <a:lstStyle>
             <a:lvl1pPr algn="r" rtl="1">
               <a:defRPr>
                 <a:latin typeface="IRANSans" panose="02040503050201020203" pitchFamily="18" charset="-78"/>
-                <a:cs typeface="IRANSans" panose="02040503050201020203" pitchFamily="18" charset="-78"/>
+                <a:cs typeface="B Nazanin" panose="00000400000000000000" pitchFamily="2" charset="-78"/>
               </a:defRPr>
             </a:lvl1pPr>
             <a:lvl2pPr algn="r" rtl="1">
               <a:defRPr>
                 <a:latin typeface="IRANSans" panose="02040503050201020203" pitchFamily="18" charset="-78"/>
-                <a:cs typeface="IRANSans" panose="02040503050201020203" pitchFamily="18" charset="-78"/>
+                <a:cs typeface="B Nazanin" panose="00000400000000000000" pitchFamily="2" charset="-78"/>
               </a:defRPr>
             </a:lvl2pPr>
             <a:lvl3pPr algn="r" rtl="1">
               <a:defRPr>
                 <a:latin typeface="IRANSans" panose="02040503050201020203" pitchFamily="18" charset="-78"/>
-                <a:cs typeface="IRANSans" panose="02040503050201020203" pitchFamily="18" charset="-78"/>
+                <a:cs typeface="B Nazanin" panose="00000400000000000000" pitchFamily="2" charset="-78"/>
               </a:defRPr>
             </a:lvl3pPr>
             <a:lvl4pPr algn="r" rtl="1">
               <a:defRPr>
                 <a:latin typeface="IRANSans" panose="02040503050201020203" pitchFamily="18" charset="-78"/>
-                <a:cs typeface="IRANSans" panose="02040503050201020203" pitchFamily="18" charset="-78"/>
+                <a:cs typeface="B Nazanin" panose="00000400000000000000" pitchFamily="2" charset="-78"/>
               </a:defRPr>
             </a:lvl4pPr>
             <a:lvl5pPr algn="r" rtl="1">
               <a:defRPr>
                 <a:latin typeface="IRANSans" panose="02040503050201020203" pitchFamily="18" charset="-78"/>
-                <a:cs typeface="IRANSans" panose="02040503050201020203" pitchFamily="18" charset="-78"/>
+                <a:cs typeface="B Nazanin" panose="00000400000000000000" pitchFamily="2" charset="-78"/>
               </a:defRPr>
             </a:lvl5pPr>
           </a:lstStyle>
@@ -8687,7 +10058,7 @@
           <a:p>
             <a:fld id="{5BCAD085-E8A6-8845-BD4E-CB4CCA059FC4}" type="datetimeFigureOut">
               <a:rPr lang="en-US" smtClean="0"/>
-              <a:t>10/14/2025</a:t>
+              <a:t>10/15/2025</a:t>
             </a:fld>
             <a:endParaRPr lang="en-US"/>
           </a:p>
@@ -8933,7 +10304,7 @@
           <a:p>
             <a:fld id="{5BCAD085-E8A6-8845-BD4E-CB4CCA059FC4}" type="datetimeFigureOut">
               <a:rPr lang="en-US" smtClean="0"/>
-              <a:t>10/14/2025</a:t>
+              <a:t>10/15/2025</a:t>
             </a:fld>
             <a:endParaRPr lang="en-US"/>
           </a:p>
@@ -9225,7 +10596,7 @@
           <a:p>
             <a:fld id="{5BCAD085-E8A6-8845-BD4E-CB4CCA059FC4}" type="datetimeFigureOut">
               <a:rPr lang="en-US" smtClean="0"/>
-              <a:t>10/14/2025</a:t>
+              <a:t>10/15/2025</a:t>
             </a:fld>
             <a:endParaRPr lang="en-US"/>
           </a:p>
@@ -9669,7 +11040,7 @@
           <a:p>
             <a:fld id="{5BCAD085-E8A6-8845-BD4E-CB4CCA059FC4}" type="datetimeFigureOut">
               <a:rPr lang="en-US" smtClean="0"/>
-              <a:t>10/14/2025</a:t>
+              <a:t>10/15/2025</a:t>
             </a:fld>
             <a:endParaRPr lang="en-US"/>
           </a:p>
@@ -9787,7 +11158,7 @@
           <a:p>
             <a:fld id="{5BCAD085-E8A6-8845-BD4E-CB4CCA059FC4}" type="datetimeFigureOut">
               <a:rPr lang="en-US" smtClean="0"/>
-              <a:t>10/14/2025</a:t>
+              <a:t>10/15/2025</a:t>
             </a:fld>
             <a:endParaRPr lang="en-US"/>
           </a:p>
@@ -9882,7 +11253,7 @@
           <a:p>
             <a:fld id="{5BCAD085-E8A6-8845-BD4E-CB4CCA059FC4}" type="datetimeFigureOut">
               <a:rPr lang="en-US" smtClean="0"/>
-              <a:t>10/14/2025</a:t>
+              <a:t>10/15/2025</a:t>
             </a:fld>
             <a:endParaRPr lang="en-US"/>
           </a:p>
@@ -10161,7 +11532,7 @@
           <a:p>
             <a:fld id="{5BCAD085-E8A6-8845-BD4E-CB4CCA059FC4}" type="datetimeFigureOut">
               <a:rPr lang="en-US" smtClean="0"/>
-              <a:t>10/14/2025</a:t>
+              <a:t>10/15/2025</a:t>
             </a:fld>
             <a:endParaRPr lang="en-US"/>
           </a:p>
@@ -10436,7 +11807,7 @@
           <a:p>
             <a:fld id="{5BCAD085-E8A6-8845-BD4E-CB4CCA059FC4}" type="datetimeFigureOut">
               <a:rPr lang="en-US" smtClean="0"/>
-              <a:t>10/14/2025</a:t>
+              <a:t>10/15/2025</a:t>
             </a:fld>
             <a:endParaRPr lang="en-US"/>
           </a:p>
@@ -11001,7 +12372,7 @@
           <a:p>
             <a:fld id="{5BCAD085-E8A6-8845-BD4E-CB4CCA059FC4}" type="datetimeFigureOut">
               <a:rPr lang="en-US" smtClean="0"/>
-              <a:t>10/14/2025</a:t>
+              <a:t>10/15/2025</a:t>
             </a:fld>
             <a:endParaRPr lang="en-US"/>
           </a:p>
@@ -11597,6 +12968,265 @@
 </file>
 
 <file path=ppt/slides/slide10.xml><?xml version="1.0" encoding="utf-8"?>
+<p:sld xmlns:a="http://schemas.openxmlformats.org/drawingml/2006/main" xmlns:r="http://schemas.openxmlformats.org/officeDocument/2006/relationships" xmlns:p="http://schemas.openxmlformats.org/presentationml/2006/main">
+  <p:cSld>
+    <p:spTree>
+      <p:nvGrpSpPr>
+        <p:cNvPr id="1" name=""/>
+        <p:cNvGrpSpPr/>
+        <p:nvPr/>
+      </p:nvGrpSpPr>
+      <p:grpSpPr>
+        <a:xfrm>
+          <a:off x="0" y="0"/>
+          <a:ext cx="0" cy="0"/>
+          <a:chOff x="0" y="0"/>
+          <a:chExt cx="0" cy="0"/>
+        </a:xfrm>
+      </p:grpSpPr>
+      <p:sp>
+        <p:nvSpPr>
+          <p:cNvPr id="2" name="Title 1">
+            <a:extLst>
+              <a:ext uri="{FF2B5EF4-FFF2-40B4-BE49-F238E27FC236}">
+                <a16:creationId xmlns:a16="http://schemas.microsoft.com/office/drawing/2014/main" id="{07A6478F-EA92-D93F-C263-664B58A22EF7}"/>
+              </a:ext>
+            </a:extLst>
+          </p:cNvPr>
+          <p:cNvSpPr>
+            <a:spLocks noGrp="1"/>
+          </p:cNvSpPr>
+          <p:nvPr>
+            <p:ph type="title"/>
+          </p:nvPr>
+        </p:nvSpPr>
+        <p:spPr/>
+        <p:txBody>
+          <a:bodyPr/>
+          <a:lstStyle/>
+          <a:p>
+            <a:r>
+              <a:rPr lang="fa-IR" dirty="0"/>
+              <a:t>تغییر </a:t>
+            </a:r>
+            <a:r>
+              <a:rPr lang="fa-IR" dirty="0" err="1"/>
+              <a:t>متریک</a:t>
+            </a:r>
+            <a:r>
+              <a:rPr lang="fa-IR" dirty="0"/>
+              <a:t> های </a:t>
+            </a:r>
+            <a:r>
+              <a:rPr lang="fa-IR" dirty="0" err="1"/>
+              <a:t>پرومتئوس</a:t>
+            </a:r>
+            <a:endParaRPr lang="en-US" dirty="0"/>
+          </a:p>
+        </p:txBody>
+      </p:sp>
+      <p:sp>
+        <p:nvSpPr>
+          <p:cNvPr id="3" name="Content Placeholder 2">
+            <a:extLst>
+              <a:ext uri="{FF2B5EF4-FFF2-40B4-BE49-F238E27FC236}">
+                <a16:creationId xmlns:a16="http://schemas.microsoft.com/office/drawing/2014/main" id="{C3847993-F01A-B214-CC46-197BE096085A}"/>
+              </a:ext>
+            </a:extLst>
+          </p:cNvPr>
+          <p:cNvSpPr>
+            <a:spLocks noGrp="1"/>
+          </p:cNvSpPr>
+          <p:nvPr>
+            <p:ph idx="1"/>
+          </p:nvPr>
+        </p:nvSpPr>
+        <p:spPr/>
+        <p:txBody>
+          <a:bodyPr/>
+          <a:lstStyle/>
+          <a:p>
+            <a:r>
+              <a:rPr lang="fa-IR" dirty="0"/>
+              <a:t>مسیر /</a:t>
+            </a:r>
+            <a:r>
+              <a:rPr lang="en-US" dirty="0"/>
+              <a:t>actuator/</a:t>
+            </a:r>
+            <a:r>
+              <a:rPr lang="en-US" dirty="0" err="1"/>
+              <a:t>prometheus</a:t>
+            </a:r>
+            <a:r>
+              <a:rPr lang="en-US" dirty="0"/>
+              <a:t> </a:t>
+            </a:r>
+            <a:r>
+              <a:rPr lang="fa-IR" dirty="0"/>
+              <a:t>در </a:t>
+            </a:r>
+            <a:r>
+              <a:rPr lang="en-US" dirty="0"/>
+              <a:t>Spring Boot </a:t>
+            </a:r>
+            <a:r>
+              <a:rPr lang="fa-IR" dirty="0"/>
+              <a:t>در واقع خروجی </a:t>
+            </a:r>
+            <a:r>
+              <a:rPr lang="fa-IR" dirty="0" err="1"/>
+              <a:t>متریک‌های</a:t>
+            </a:r>
+            <a:r>
+              <a:rPr lang="fa-IR" dirty="0"/>
+              <a:t> </a:t>
+            </a:r>
+            <a:r>
+              <a:rPr lang="en-US" dirty="0"/>
+              <a:t>Prometheus </a:t>
+            </a:r>
+            <a:r>
+              <a:rPr lang="fa-IR" dirty="0"/>
+              <a:t>هست که توسط </a:t>
+            </a:r>
+            <a:r>
+              <a:rPr lang="en-US" dirty="0"/>
+              <a:t>Micrometer </a:t>
+            </a:r>
+            <a:r>
+              <a:rPr lang="fa-IR" dirty="0"/>
+              <a:t>تولید </a:t>
+            </a:r>
+            <a:r>
+              <a:rPr lang="fa-IR" dirty="0" err="1"/>
+              <a:t>می‌شن</a:t>
+            </a:r>
+            <a:r>
+              <a:rPr lang="fa-IR" dirty="0"/>
+              <a:t>. </a:t>
+            </a:r>
+          </a:p>
+          <a:p>
+            <a:r>
+              <a:rPr lang="fa-IR" dirty="0"/>
+              <a:t>این لیست شامل تمام </a:t>
+            </a:r>
+            <a:r>
+              <a:rPr lang="fa-IR" dirty="0" err="1"/>
+              <a:t>متریک‌هایی</a:t>
+            </a:r>
+            <a:r>
+              <a:rPr lang="fa-IR" dirty="0"/>
+              <a:t> هست که </a:t>
+            </a:r>
+            <a:r>
+              <a:rPr lang="fa-IR" dirty="0" err="1"/>
+              <a:t>برنامه‌ات</a:t>
+            </a:r>
+            <a:r>
+              <a:rPr lang="fa-IR" dirty="0"/>
+              <a:t> در حال حاضر </a:t>
+            </a:r>
+            <a:r>
+              <a:rPr lang="fa-IR" dirty="0" err="1"/>
+              <a:t>اکسپورت</a:t>
+            </a:r>
+            <a:r>
+              <a:rPr lang="fa-IR" dirty="0"/>
+              <a:t> </a:t>
+            </a:r>
+            <a:r>
+              <a:rPr lang="fa-IR" dirty="0" err="1"/>
+              <a:t>می‌کنه</a:t>
+            </a:r>
+            <a:r>
+              <a:rPr lang="fa-IR" dirty="0"/>
+              <a:t>، میشه </a:t>
+            </a:r>
+            <a:r>
+              <a:rPr lang="fa-IR" dirty="0" err="1"/>
+              <a:t>متریک‌های</a:t>
+            </a:r>
+            <a:r>
+              <a:rPr lang="fa-IR" dirty="0"/>
+              <a:t> بیشتری بهش اضافه کنی.</a:t>
+            </a:r>
+          </a:p>
+          <a:p>
+            <a:pPr lvl="1"/>
+            <a:r>
+              <a:rPr lang="fa-IR" dirty="0"/>
+              <a:t>۱. تعریف دستی با </a:t>
+            </a:r>
+            <a:r>
+              <a:rPr lang="en-US" dirty="0"/>
+              <a:t>Micrometer</a:t>
+            </a:r>
+            <a:endParaRPr lang="fa-IR" dirty="0"/>
+          </a:p>
+          <a:p>
+            <a:pPr lvl="2"/>
+            <a:r>
+              <a:rPr lang="en-US" dirty="0" err="1"/>
+              <a:t>CustomMetricsInitializer</a:t>
+            </a:r>
+            <a:endParaRPr lang="en-US" dirty="0"/>
+          </a:p>
+          <a:p>
+            <a:pPr lvl="1"/>
+            <a:r>
+              <a:rPr lang="fa-IR" dirty="0"/>
+              <a:t>۲. استفاده از </a:t>
+            </a:r>
+            <a:r>
+              <a:rPr lang="en-US" dirty="0"/>
+              <a:t>annotation</a:t>
+            </a:r>
+            <a:endParaRPr lang="fa-IR" dirty="0"/>
+          </a:p>
+          <a:p>
+            <a:pPr lvl="2"/>
+            <a:r>
+              <a:rPr lang="en-US" dirty="0" err="1"/>
+              <a:t>MetricController</a:t>
+            </a:r>
+            <a:endParaRPr lang="en-US" dirty="0"/>
+          </a:p>
+          <a:p>
+            <a:pPr lvl="1"/>
+            <a:r>
+              <a:rPr lang="fa-IR" dirty="0"/>
+              <a:t>۳. استفاده از </a:t>
+            </a:r>
+            <a:r>
+              <a:rPr lang="en-US" dirty="0"/>
+              <a:t>binders </a:t>
+            </a:r>
+            <a:r>
+              <a:rPr lang="fa-IR" dirty="0"/>
+              <a:t>خارجی</a:t>
+            </a:r>
+          </a:p>
+          <a:p>
+            <a:endParaRPr lang="en-US" dirty="0"/>
+          </a:p>
+        </p:txBody>
+      </p:sp>
+    </p:spTree>
+    <p:extLst>
+      <p:ext uri="{BB962C8B-B14F-4D97-AF65-F5344CB8AC3E}">
+        <p14:creationId xmlns:p14="http://schemas.microsoft.com/office/powerpoint/2010/main" val="192260791"/>
+      </p:ext>
+    </p:extLst>
+  </p:cSld>
+  <p:clrMapOvr>
+    <a:masterClrMapping/>
+  </p:clrMapOvr>
+</p:sld>
+</file>
+
+<file path=ppt/slides/slide11.xml><?xml version="1.0" encoding="utf-8"?>
 <p:sld xmlns:a="http://schemas.openxmlformats.org/drawingml/2006/main" xmlns:r="http://schemas.openxmlformats.org/officeDocument/2006/relationships" xmlns:p="http://schemas.openxmlformats.org/presentationml/2006/main">
   <p:cSld>
     <p:spTree>
@@ -13180,6 +14810,7 @@
           <a:bodyPr/>
           <a:lstStyle/>
           <a:p>
+            <a:pPr algn="l" rtl="0"/>
             <a:r>
               <a:rPr lang="en-US" b="1" dirty="0"/>
               <a:t>What is </a:t>
@@ -13226,8 +14857,6 @@
               <a:rPr lang="en-US" dirty="0"/>
               <a:t> is a connection pool library that has become the default choice in Spring Boot applications. Its name comes from the Japanese word “光” (Hikari), meaning “light,” reflecting its lightweight and fast nature.</a:t>
             </a:r>
-          </a:p>
-          <a:p>
             <a:br>
               <a:rPr lang="en-US" dirty="0"/>
             </a:br>
@@ -13288,7 +14917,7 @@
           <a:p>
             <a:r>
               <a:rPr lang="fa-IR" dirty="0"/>
-              <a:t>اجزای پروژه </a:t>
+              <a:t>مراحل اجرای پروژه </a:t>
             </a:r>
             <a:r>
               <a:rPr lang="fa-IR" dirty="0" err="1"/>
@@ -13317,7 +14946,7 @@
         <p:spPr/>
         <p:txBody>
           <a:bodyPr>
-            <a:normAutofit lnSpcReduction="10000"/>
+            <a:normAutofit/>
           </a:bodyPr>
           <a:lstStyle/>
           <a:p>
@@ -13591,7 +15220,7 @@
           <a:p>
             <a:r>
               <a:rPr lang="fa-IR" dirty="0"/>
-              <a:t>اجزای پروژه </a:t>
+              <a:t>مراحل اجرای پروژه </a:t>
             </a:r>
             <a:r>
               <a:rPr lang="fa-IR" dirty="0" err="1"/>
